--- a/웹용_스토리보드_HMH.pptx
+++ b/웹용_스토리보드_HMH.pptx
@@ -10566,7 +10566,7 @@
     <a:masterClrMapping/>
   </p:clrMapOvr>
   <mc:AlternateContent xmlns:mc="http://schemas.openxmlformats.org/markup-compatibility/2006">
-    <mc:Choice xmlns="" xmlns:c="http://schemas.openxmlformats.org/drawingml/2006/chart" xmlns:dgm="http://schemas.openxmlformats.org/drawingml/2006/diagram" xmlns:dsp="http://schemas.microsoft.com/office/drawing/2008/diagram" xmlns:p14="http://schemas.microsoft.com/office/powerpoint/2010/main" Requires="p14">
+    <mc:Choice xmlns:p14="http://schemas.microsoft.com/office/powerpoint/2010/main" xmlns:dsp="http://schemas.microsoft.com/office/drawing/2008/diagram" xmlns:dgm="http://schemas.openxmlformats.org/drawingml/2006/diagram" xmlns:c="http://schemas.openxmlformats.org/drawingml/2006/chart" xmlns="" Requires="p14">
       <p:transition xmlns:mc="http://schemas.openxmlformats.org/markup-compatibility/2006" xmlns:p14="http://schemas.microsoft.com/office/powerpoint/2010/main" mc:Ignorable="p14" p14:dur="500"/>
     </mc:Choice>
     <mc:Fallback>
@@ -14799,7 +14799,7 @@
     <a:masterClrMapping/>
   </p:clrMapOvr>
   <mc:AlternateContent xmlns:mc="http://schemas.openxmlformats.org/markup-compatibility/2006">
-    <mc:Choice xmlns="" xmlns:c="http://schemas.openxmlformats.org/drawingml/2006/chart" xmlns:dgm="http://schemas.openxmlformats.org/drawingml/2006/diagram" xmlns:dsp="http://schemas.microsoft.com/office/drawing/2008/diagram" xmlns:p14="http://schemas.microsoft.com/office/powerpoint/2010/main" Requires="p14">
+    <mc:Choice xmlns:p14="http://schemas.microsoft.com/office/powerpoint/2010/main" xmlns:dsp="http://schemas.microsoft.com/office/drawing/2008/diagram" xmlns:dgm="http://schemas.openxmlformats.org/drawingml/2006/diagram" xmlns:c="http://schemas.openxmlformats.org/drawingml/2006/chart" xmlns="" Requires="p14">
       <p:transition xmlns:mc="http://schemas.openxmlformats.org/markup-compatibility/2006" xmlns:p14="http://schemas.microsoft.com/office/powerpoint/2010/main" mc:Ignorable="p14" p14:dur="500"/>
     </mc:Choice>
     <mc:Fallback>
@@ -17369,10 +17369,6 @@
               </a:rPr>
               <a:t>공헌</a:t>
             </a:r>
-            <a:endParaRPr kumimoji="1" lang="ko-KR" altLang="en-US" sz="1000" b="1" dirty="0" smtClean="0">
-              <a:latin typeface="돋움"/>
-              <a:ea typeface="돋움"/>
-            </a:endParaRPr>
           </a:p>
         </p:txBody>
       </p:sp>
@@ -18026,7 +18022,7 @@
     <a:masterClrMapping/>
   </p:clrMapOvr>
   <mc:AlternateContent xmlns:mc="http://schemas.openxmlformats.org/markup-compatibility/2006">
-    <mc:Choice xmlns="" xmlns:c="http://schemas.openxmlformats.org/drawingml/2006/chart" xmlns:dgm="http://schemas.openxmlformats.org/drawingml/2006/diagram" xmlns:dsp="http://schemas.microsoft.com/office/drawing/2008/diagram" xmlns:p14="http://schemas.microsoft.com/office/powerpoint/2010/main" Requires="p14">
+    <mc:Choice xmlns:p14="http://schemas.microsoft.com/office/powerpoint/2010/main" xmlns:dsp="http://schemas.microsoft.com/office/drawing/2008/diagram" xmlns:dgm="http://schemas.openxmlformats.org/drawingml/2006/diagram" xmlns:c="http://schemas.openxmlformats.org/drawingml/2006/chart" xmlns="" Requires="p14">
       <p:transition xmlns:mc="http://schemas.openxmlformats.org/markup-compatibility/2006" xmlns:p14="http://schemas.microsoft.com/office/powerpoint/2010/main" mc:Ignorable="p14" p14:dur="500"/>
     </mc:Choice>
     <mc:Fallback>
@@ -18053,6 +18049,30 @@
           <a:chExt cx="0" cy="0"/>
         </a:xfrm>
       </p:grpSpPr>
+      <p:pic>
+        <p:nvPicPr>
+          <p:cNvPr id="30" name="그림 29" descr="우수성.JPG"/>
+          <p:cNvPicPr>
+            <a:picLocks noChangeAspect="1"/>
+          </p:cNvPicPr>
+          <p:nvPr/>
+        </p:nvPicPr>
+        <p:blipFill>
+          <a:blip r:embed="rId2" cstate="print"/>
+          <a:stretch>
+            <a:fillRect/>
+          </a:stretch>
+        </p:blipFill>
+        <p:spPr>
+          <a:xfrm>
+            <a:off x="2647951" y="3819525"/>
+            <a:ext cx="2676524" cy="2853463"/>
+          </a:xfrm>
+          <a:prstGeom prst="rect">
+            <a:avLst/>
+          </a:prstGeom>
+        </p:spPr>
+      </p:pic>
       <p:sp>
         <p:nvSpPr>
           <p:cNvPr id="9218" name="TextBox 9217"/>
@@ -18154,14 +18174,18 @@
               <a:defRPr/>
             </a:pPr>
             <a:r>
-              <a:rPr kumimoji="1" lang="ko-KR" altLang="en-US" sz="800" b="0" i="0" baseline="0" dirty="0">
-                <a:solidFill>
-                  <a:schemeClr val="tx1"/>
-                </a:solidFill>
+              <a:rPr kumimoji="1" lang="ko-KR" altLang="en-US" sz="800" dirty="0" smtClean="0">
                 <a:latin typeface="돋움"/>
                 <a:ea typeface="돋움"/>
               </a:rPr>
-              <a:t>front</a:t>
+              <a:t>소</a:t>
+            </a:r>
+            <a:r>
+              <a:rPr kumimoji="1" lang="ko-KR" altLang="en-US" sz="800" dirty="0" smtClean="0">
+                <a:latin typeface="돋움"/>
+                <a:ea typeface="돋움"/>
+              </a:rPr>
+              <a:t>개</a:t>
             </a:r>
             <a:endParaRPr kumimoji="1" lang="ko-KR" altLang="en-US" sz="800" b="0" i="0" dirty="0">
               <a:solidFill>
@@ -20990,7 +21014,7 @@
           <p:nvPr/>
         </p:nvPicPr>
         <p:blipFill>
-          <a:blip r:embed="rId2" cstate="print"/>
+          <a:blip r:embed="rId3" cstate="print"/>
           <a:stretch>
             <a:fillRect/>
           </a:stretch>
@@ -21014,30 +21038,6 @@
           <p:nvPr/>
         </p:nvPicPr>
         <p:blipFill>
-          <a:blip r:embed="rId3" cstate="print"/>
-          <a:stretch>
-            <a:fillRect/>
-          </a:stretch>
-        </p:blipFill>
-        <p:spPr>
-          <a:xfrm>
-            <a:off x="1114425" y="1552574"/>
-            <a:ext cx="5648325" cy="2962276"/>
-          </a:xfrm>
-          <a:prstGeom prst="rect">
-            <a:avLst/>
-          </a:prstGeom>
-        </p:spPr>
-      </p:pic>
-      <p:pic>
-        <p:nvPicPr>
-          <p:cNvPr id="24" name="그림 23" descr="소개1.JPG"/>
-          <p:cNvPicPr>
-            <a:picLocks noChangeAspect="1"/>
-          </p:cNvPicPr>
-          <p:nvPr/>
-        </p:nvPicPr>
-        <p:blipFill>
           <a:blip r:embed="rId4" cstate="print"/>
           <a:stretch>
             <a:fillRect/>
@@ -21045,80 +21045,8 @@
         </p:blipFill>
         <p:spPr>
           <a:xfrm>
-            <a:off x="132555" y="4562409"/>
-            <a:ext cx="1820069" cy="2162241"/>
-          </a:xfrm>
-          <a:prstGeom prst="rect">
-            <a:avLst/>
-          </a:prstGeom>
-        </p:spPr>
-      </p:pic>
-      <p:pic>
-        <p:nvPicPr>
-          <p:cNvPr id="25" name="그림 24" descr="소개2.JPG"/>
-          <p:cNvPicPr>
-            <a:picLocks noChangeAspect="1"/>
-          </p:cNvPicPr>
-          <p:nvPr/>
-        </p:nvPicPr>
-        <p:blipFill>
-          <a:blip r:embed="rId5" cstate="print"/>
-          <a:stretch>
-            <a:fillRect/>
-          </a:stretch>
-        </p:blipFill>
-        <p:spPr>
-          <a:xfrm>
-            <a:off x="2028030" y="4552950"/>
-            <a:ext cx="1850762" cy="2180197"/>
-          </a:xfrm>
-          <a:prstGeom prst="rect">
-            <a:avLst/>
-          </a:prstGeom>
-        </p:spPr>
-      </p:pic>
-      <p:pic>
-        <p:nvPicPr>
-          <p:cNvPr id="26" name="그림 25" descr="소개3.JPG"/>
-          <p:cNvPicPr>
-            <a:picLocks noChangeAspect="1"/>
-          </p:cNvPicPr>
-          <p:nvPr/>
-        </p:nvPicPr>
-        <p:blipFill>
-          <a:blip r:embed="rId6" cstate="print"/>
-          <a:stretch>
-            <a:fillRect/>
-          </a:stretch>
-        </p:blipFill>
-        <p:spPr>
-          <a:xfrm>
-            <a:off x="3961606" y="4533899"/>
-            <a:ext cx="1789909" cy="2181225"/>
-          </a:xfrm>
-          <a:prstGeom prst="rect">
-            <a:avLst/>
-          </a:prstGeom>
-        </p:spPr>
-      </p:pic>
-      <p:pic>
-        <p:nvPicPr>
-          <p:cNvPr id="27" name="그림 26" descr="소개4.JPG"/>
-          <p:cNvPicPr>
-            <a:picLocks noChangeAspect="1"/>
-          </p:cNvPicPr>
-          <p:nvPr/>
-        </p:nvPicPr>
-        <p:blipFill>
-          <a:blip r:embed="rId7" cstate="print"/>
-          <a:stretch>
-            <a:fillRect/>
-          </a:stretch>
-        </p:blipFill>
-        <p:spPr>
-          <a:xfrm>
-            <a:off x="5833269" y="4543425"/>
-            <a:ext cx="1752569" cy="2152650"/>
+            <a:off x="114302" y="1543051"/>
+            <a:ext cx="2438398" cy="1428750"/>
           </a:xfrm>
           <a:prstGeom prst="rect">
             <a:avLst/>
@@ -21134,7 +21062,7 @@
           <p:nvPr/>
         </p:nvPicPr>
         <p:blipFill>
-          <a:blip r:embed="rId8" cstate="print"/>
+          <a:blip r:embed="rId5" cstate="print"/>
           <a:stretch>
             <a:fillRect/>
           </a:stretch>
@@ -21149,13 +21077,133 @@
           </a:prstGeom>
         </p:spPr>
       </p:pic>
+      <p:pic>
+        <p:nvPicPr>
+          <p:cNvPr id="31" name="그림 30" descr="선수.JPG"/>
+          <p:cNvPicPr>
+            <a:picLocks noChangeAspect="1"/>
+          </p:cNvPicPr>
+          <p:nvPr/>
+        </p:nvPicPr>
+        <p:blipFill>
+          <a:blip r:embed="rId6" cstate="print"/>
+          <a:stretch>
+            <a:fillRect/>
+          </a:stretch>
+        </p:blipFill>
+        <p:spPr>
+          <a:xfrm>
+            <a:off x="118270" y="2990851"/>
+            <a:ext cx="2415380" cy="1381124"/>
+          </a:xfrm>
+          <a:prstGeom prst="rect">
+            <a:avLst/>
+          </a:prstGeom>
+        </p:spPr>
+      </p:pic>
+      <p:pic>
+        <p:nvPicPr>
+          <p:cNvPr id="32" name="그림 31" descr="우수성1.JPG"/>
+          <p:cNvPicPr>
+            <a:picLocks noChangeAspect="1"/>
+          </p:cNvPicPr>
+          <p:nvPr/>
+        </p:nvPicPr>
+        <p:blipFill>
+          <a:blip r:embed="rId7" cstate="print"/>
+          <a:stretch>
+            <a:fillRect/>
+          </a:stretch>
+        </p:blipFill>
+        <p:spPr>
+          <a:xfrm>
+            <a:off x="5357018" y="3800475"/>
+            <a:ext cx="2301081" cy="2904417"/>
+          </a:xfrm>
+          <a:prstGeom prst="rect">
+            <a:avLst/>
+          </a:prstGeom>
+        </p:spPr>
+      </p:pic>
+      <p:pic>
+        <p:nvPicPr>
+          <p:cNvPr id="35" name="그림 34" descr="주식.JPG"/>
+          <p:cNvPicPr>
+            <a:picLocks noChangeAspect="1"/>
+          </p:cNvPicPr>
+          <p:nvPr/>
+        </p:nvPicPr>
+        <p:blipFill>
+          <a:blip r:embed="rId8" cstate="print"/>
+          <a:stretch>
+            <a:fillRect/>
+          </a:stretch>
+        </p:blipFill>
+        <p:spPr>
+          <a:xfrm>
+            <a:off x="146845" y="4435623"/>
+            <a:ext cx="2430530" cy="2269977"/>
+          </a:xfrm>
+          <a:prstGeom prst="rect">
+            <a:avLst/>
+          </a:prstGeom>
+        </p:spPr>
+      </p:pic>
+      <p:pic>
+        <p:nvPicPr>
+          <p:cNvPr id="36" name="그림 35" descr="런.JPG"/>
+          <p:cNvPicPr>
+            <a:picLocks noChangeAspect="1"/>
+          </p:cNvPicPr>
+          <p:nvPr/>
+        </p:nvPicPr>
+        <p:blipFill>
+          <a:blip r:embed="rId9" cstate="print"/>
+          <a:stretch>
+            <a:fillRect/>
+          </a:stretch>
+        </p:blipFill>
+        <p:spPr>
+          <a:xfrm>
+            <a:off x="2637631" y="1532731"/>
+            <a:ext cx="2677319" cy="2277269"/>
+          </a:xfrm>
+          <a:prstGeom prst="rect">
+            <a:avLst/>
+          </a:prstGeom>
+        </p:spPr>
+      </p:pic>
+      <p:pic>
+        <p:nvPicPr>
+          <p:cNvPr id="37" name="그림 36" descr="대상.JPG"/>
+          <p:cNvPicPr>
+            <a:picLocks noChangeAspect="1"/>
+          </p:cNvPicPr>
+          <p:nvPr/>
+        </p:nvPicPr>
+        <p:blipFill>
+          <a:blip r:embed="rId10" cstate="print"/>
+          <a:stretch>
+            <a:fillRect/>
+          </a:stretch>
+        </p:blipFill>
+        <p:spPr>
+          <a:xfrm>
+            <a:off x="5413156" y="1562099"/>
+            <a:ext cx="2217954" cy="2200276"/>
+          </a:xfrm>
+          <a:prstGeom prst="rect">
+            <a:avLst/>
+          </a:prstGeom>
+        </p:spPr>
+      </p:pic>
     </p:spTree>
   </p:cSld>
   <p:clrMapOvr>
     <a:masterClrMapping/>
   </p:clrMapOvr>
   <mc:AlternateContent xmlns:mc="http://schemas.openxmlformats.org/markup-compatibility/2006">
-    <mc:Choice xmlns="" xmlns:c="http://schemas.openxmlformats.org/drawingml/2006/chart" xmlns:dgm="http://schemas.openxmlformats.org/drawingml/2006/diagram" xmlns:dsp="http://schemas.microsoft.com/office/drawing/2008/diagram" xmlns:p14="http://schemas.microsoft.com/office/powerpoint/2010/main" Requires="p14">
+    <mc:Choice xmlns:p14="http://schemas.microsoft.com/office/powerpoint/2010/main" xmlns:dsp="http://schemas.microsoft.com/office/drawing/2008/diagram" xmlns:dgm="http://schemas.openxmlformats.org/drawingml/2006/diagram" xmlns:c="http://schemas.openxmlformats.org/drawingml/2006/chart" xmlns="" Requires="p14">
       <p:transition xmlns:mc="http://schemas.openxmlformats.org/markup-compatibility/2006" xmlns:p14="http://schemas.microsoft.com/office/powerpoint/2010/main" mc:Ignorable="p14" p14:dur="500"/>
     </mc:Choice>
     <mc:Fallback>
@@ -21283,14 +21331,18 @@
               <a:defRPr/>
             </a:pPr>
             <a:r>
-              <a:rPr kumimoji="1" lang="ko-KR" altLang="en-US" sz="800" b="0" i="0" baseline="0" dirty="0">
-                <a:solidFill>
-                  <a:schemeClr val="tx1"/>
-                </a:solidFill>
+              <a:rPr kumimoji="1" lang="ko-KR" altLang="en-US" sz="800" dirty="0" smtClean="0">
                 <a:latin typeface="돋움"/>
                 <a:ea typeface="돋움"/>
               </a:rPr>
-              <a:t>front</a:t>
+              <a:t>제</a:t>
+            </a:r>
+            <a:r>
+              <a:rPr kumimoji="1" lang="ko-KR" altLang="en-US" sz="800" dirty="0" smtClean="0">
+                <a:latin typeface="돋움"/>
+                <a:ea typeface="돋움"/>
+              </a:rPr>
+              <a:t>품</a:t>
             </a:r>
             <a:endParaRPr kumimoji="1" lang="ko-KR" altLang="en-US" sz="800" b="0" i="0" dirty="0">
               <a:solidFill>
@@ -24332,7 +24384,7 @@
     <a:masterClrMapping/>
   </p:clrMapOvr>
   <mc:AlternateContent xmlns:mc="http://schemas.openxmlformats.org/markup-compatibility/2006">
-    <mc:Choice xmlns="" xmlns:c="http://schemas.openxmlformats.org/drawingml/2006/chart" xmlns:dgm="http://schemas.openxmlformats.org/drawingml/2006/diagram" xmlns:dsp="http://schemas.microsoft.com/office/drawing/2008/diagram" xmlns:p14="http://schemas.microsoft.com/office/powerpoint/2010/main" Requires="p14">
+    <mc:Choice xmlns:p14="http://schemas.microsoft.com/office/powerpoint/2010/main" xmlns:dsp="http://schemas.microsoft.com/office/drawing/2008/diagram" xmlns:dgm="http://schemas.openxmlformats.org/drawingml/2006/diagram" xmlns:c="http://schemas.openxmlformats.org/drawingml/2006/chart" xmlns="" Requires="p14">
       <p:transition xmlns:mc="http://schemas.openxmlformats.org/markup-compatibility/2006" xmlns:p14="http://schemas.microsoft.com/office/powerpoint/2010/main" mc:Ignorable="p14" p14:dur="500"/>
     </mc:Choice>
     <mc:Fallback>
@@ -24460,14 +24512,18 @@
               <a:defRPr/>
             </a:pPr>
             <a:r>
-              <a:rPr kumimoji="1" lang="ko-KR" altLang="en-US" sz="800" b="0" i="0" baseline="0" dirty="0">
-                <a:solidFill>
-                  <a:schemeClr val="tx1"/>
-                </a:solidFill>
+              <a:rPr kumimoji="1" lang="ko-KR" altLang="en-US" sz="800" dirty="0" smtClean="0">
                 <a:latin typeface="돋움"/>
                 <a:ea typeface="돋움"/>
               </a:rPr>
-              <a:t>front</a:t>
+              <a:t>기</a:t>
+            </a:r>
+            <a:r>
+              <a:rPr kumimoji="1" lang="ko-KR" altLang="en-US" sz="800" dirty="0" smtClean="0">
+                <a:latin typeface="돋움"/>
+                <a:ea typeface="돋움"/>
+              </a:rPr>
+              <a:t>회</a:t>
             </a:r>
             <a:endParaRPr kumimoji="1" lang="ko-KR" altLang="en-US" sz="800" b="0" i="0" dirty="0">
               <a:solidFill>
@@ -27365,7 +27421,7 @@
     <a:masterClrMapping/>
   </p:clrMapOvr>
   <mc:AlternateContent xmlns:mc="http://schemas.openxmlformats.org/markup-compatibility/2006">
-    <mc:Choice xmlns="" xmlns:c="http://schemas.openxmlformats.org/drawingml/2006/chart" xmlns:dgm="http://schemas.openxmlformats.org/drawingml/2006/diagram" xmlns:dsp="http://schemas.microsoft.com/office/drawing/2008/diagram" xmlns:p14="http://schemas.microsoft.com/office/powerpoint/2010/main" Requires="p14">
+    <mc:Choice xmlns:p14="http://schemas.microsoft.com/office/powerpoint/2010/main" xmlns:dsp="http://schemas.microsoft.com/office/drawing/2008/diagram" xmlns:dgm="http://schemas.openxmlformats.org/drawingml/2006/diagram" xmlns:c="http://schemas.openxmlformats.org/drawingml/2006/chart" xmlns="" Requires="p14">
       <p:transition xmlns:mc="http://schemas.openxmlformats.org/markup-compatibility/2006" xmlns:p14="http://schemas.microsoft.com/office/powerpoint/2010/main" mc:Ignorable="p14" p14:dur="500"/>
     </mc:Choice>
     <mc:Fallback>
@@ -27493,14 +27549,18 @@
               <a:defRPr/>
             </a:pPr>
             <a:r>
-              <a:rPr kumimoji="1" lang="ko-KR" altLang="en-US" sz="800" b="0" i="0" baseline="0" dirty="0">
-                <a:solidFill>
-                  <a:schemeClr val="tx1"/>
-                </a:solidFill>
+              <a:rPr kumimoji="1" lang="ko-KR" altLang="en-US" sz="800" dirty="0" smtClean="0">
                 <a:latin typeface="돋움"/>
                 <a:ea typeface="돋움"/>
               </a:rPr>
-              <a:t>front</a:t>
+              <a:t>과</a:t>
+            </a:r>
+            <a:r>
+              <a:rPr kumimoji="1" lang="ko-KR" altLang="en-US" sz="800" dirty="0" smtClean="0">
+                <a:latin typeface="돋움"/>
+                <a:ea typeface="돋움"/>
+              </a:rPr>
+              <a:t>학</a:t>
             </a:r>
             <a:endParaRPr kumimoji="1" lang="ko-KR" altLang="en-US" sz="800" b="0" i="0" dirty="0">
               <a:solidFill>
@@ -30360,8 +30420,8 @@
         </p:blipFill>
         <p:spPr>
           <a:xfrm>
-            <a:off x="819151" y="1543539"/>
-            <a:ext cx="6238874" cy="2504586"/>
+            <a:off x="114300" y="1505439"/>
+            <a:ext cx="4410075" cy="2237886"/>
           </a:xfrm>
           <a:prstGeom prst="rect">
             <a:avLst/>
@@ -30384,8 +30444,8 @@
         </p:blipFill>
         <p:spPr>
           <a:xfrm>
-            <a:off x="1171575" y="3867149"/>
-            <a:ext cx="5762626" cy="2867025"/>
+            <a:off x="123826" y="3819524"/>
+            <a:ext cx="4343399" cy="2867025"/>
           </a:xfrm>
           <a:prstGeom prst="rect">
             <a:avLst/>
@@ -30416,13 +30476,61 @@
           </a:prstGeom>
         </p:spPr>
       </p:pic>
+      <p:pic>
+        <p:nvPicPr>
+          <p:cNvPr id="26" name="그림 25" descr="처방전.JPG"/>
+          <p:cNvPicPr>
+            <a:picLocks noChangeAspect="1"/>
+          </p:cNvPicPr>
+          <p:nvPr/>
+        </p:nvPicPr>
+        <p:blipFill>
+          <a:blip r:embed="rId6" cstate="print"/>
+          <a:stretch>
+            <a:fillRect/>
+          </a:stretch>
+        </p:blipFill>
+        <p:spPr>
+          <a:xfrm>
+            <a:off x="4162426" y="4934343"/>
+            <a:ext cx="3456228" cy="1836345"/>
+          </a:xfrm>
+          <a:prstGeom prst="rect">
+            <a:avLst/>
+          </a:prstGeom>
+        </p:spPr>
+      </p:pic>
+      <p:pic>
+        <p:nvPicPr>
+          <p:cNvPr id="30" name="그림 29" descr="백악관.JPG"/>
+          <p:cNvPicPr>
+            <a:picLocks noChangeAspect="1"/>
+          </p:cNvPicPr>
+          <p:nvPr/>
+        </p:nvPicPr>
+        <p:blipFill>
+          <a:blip r:embed="rId7" cstate="print"/>
+          <a:stretch>
+            <a:fillRect/>
+          </a:stretch>
+        </p:blipFill>
+        <p:spPr>
+          <a:xfrm>
+            <a:off x="4161631" y="1547020"/>
+            <a:ext cx="3464016" cy="3329780"/>
+          </a:xfrm>
+          <a:prstGeom prst="rect">
+            <a:avLst/>
+          </a:prstGeom>
+        </p:spPr>
+      </p:pic>
     </p:spTree>
   </p:cSld>
   <p:clrMapOvr>
     <a:masterClrMapping/>
   </p:clrMapOvr>
   <mc:AlternateContent xmlns:mc="http://schemas.openxmlformats.org/markup-compatibility/2006">
-    <mc:Choice xmlns="" xmlns:c="http://schemas.openxmlformats.org/drawingml/2006/chart" xmlns:dgm="http://schemas.openxmlformats.org/drawingml/2006/diagram" xmlns:dsp="http://schemas.microsoft.com/office/drawing/2008/diagram" xmlns:p14="http://schemas.microsoft.com/office/powerpoint/2010/main" Requires="p14">
+    <mc:Choice xmlns:p14="http://schemas.microsoft.com/office/powerpoint/2010/main" xmlns:dsp="http://schemas.microsoft.com/office/drawing/2008/diagram" xmlns:dgm="http://schemas.openxmlformats.org/drawingml/2006/diagram" xmlns:c="http://schemas.openxmlformats.org/drawingml/2006/chart" xmlns="" Requires="p14">
       <p:transition xmlns:mc="http://schemas.openxmlformats.org/markup-compatibility/2006" xmlns:p14="http://schemas.microsoft.com/office/powerpoint/2010/main" mc:Ignorable="p14" p14:dur="500"/>
     </mc:Choice>
     <mc:Fallback>
@@ -30550,14 +30658,18 @@
               <a:defRPr/>
             </a:pPr>
             <a:r>
-              <a:rPr kumimoji="1" lang="ko-KR" altLang="en-US" sz="800" b="0" i="0" baseline="0" dirty="0">
-                <a:solidFill>
-                  <a:schemeClr val="tx1"/>
-                </a:solidFill>
+              <a:rPr kumimoji="1" lang="ko-KR" altLang="en-US" sz="800" dirty="0" smtClean="0">
                 <a:latin typeface="돋움"/>
                 <a:ea typeface="돋움"/>
               </a:rPr>
-              <a:t>front</a:t>
+              <a:t>공</a:t>
+            </a:r>
+            <a:r>
+              <a:rPr kumimoji="1" lang="ko-KR" altLang="en-US" sz="800" dirty="0" smtClean="0">
+                <a:latin typeface="돋움"/>
+                <a:ea typeface="돋움"/>
+              </a:rPr>
+              <a:t>헌</a:t>
             </a:r>
             <a:endParaRPr kumimoji="1" lang="ko-KR" altLang="en-US" sz="800" b="0" i="0" dirty="0">
               <a:solidFill>
@@ -33479,7 +33591,7 @@
     <a:masterClrMapping/>
   </p:clrMapOvr>
   <mc:AlternateContent xmlns:mc="http://schemas.openxmlformats.org/markup-compatibility/2006">
-    <mc:Choice xmlns="" xmlns:c="http://schemas.openxmlformats.org/drawingml/2006/chart" xmlns:dgm="http://schemas.openxmlformats.org/drawingml/2006/diagram" xmlns:dsp="http://schemas.microsoft.com/office/drawing/2008/diagram" xmlns:p14="http://schemas.microsoft.com/office/powerpoint/2010/main" Requires="p14">
+    <mc:Choice xmlns:p14="http://schemas.microsoft.com/office/powerpoint/2010/main" xmlns:dsp="http://schemas.microsoft.com/office/drawing/2008/diagram" xmlns:dgm="http://schemas.openxmlformats.org/drawingml/2006/diagram" xmlns:c="http://schemas.openxmlformats.org/drawingml/2006/chart" xmlns="" Requires="p14">
       <p:transition xmlns:mc="http://schemas.openxmlformats.org/markup-compatibility/2006" xmlns:p14="http://schemas.microsoft.com/office/powerpoint/2010/main" mc:Ignorable="p14" p14:dur="500"/>
     </mc:Choice>
     <mc:Fallback>
